--- a/中文/基于马尔科夫链的加密流识别技术.pptx
+++ b/中文/基于马尔科夫链的加密流识别技术.pptx
@@ -6882,7 +6882,7 @@
           <a:graphicData uri="http://schemas.openxmlformats.org/presentationml/2006/ole">
             <mc:AlternateContent xmlns:mc="http://schemas.openxmlformats.org/markup-compatibility/2006">
               <mc:Choice xmlns:v="urn:schemas-microsoft-com:vml" Requires="v">
-                <p:oleObj spid="_x0000_s1094" name="Visio" r:id="rId4" imgW="6772114" imgH="1381008" progId="Visio.Drawing.15">
+                <p:oleObj spid="_x0000_s1096" name="Visio" r:id="rId4" imgW="6772114" imgH="1381008" progId="Visio.Drawing.15">
                   <p:embed/>
                 </p:oleObj>
               </mc:Choice>
@@ -7004,7 +7004,7 @@
           <a:graphicData uri="http://schemas.openxmlformats.org/presentationml/2006/ole">
             <mc:AlternateContent xmlns:mc="http://schemas.openxmlformats.org/markup-compatibility/2006">
               <mc:Choice xmlns:v="urn:schemas-microsoft-com:vml" Requires="v">
-                <p:oleObj spid="_x0000_s1095" name="Equation" r:id="rId6" imgW="1104900" imgH="228600" progId="Equation.DSMT4">
+                <p:oleObj spid="_x0000_s1097" name="Equation" r:id="rId6" imgW="1104900" imgH="228600" progId="Equation.DSMT4">
                   <p:embed/>
                 </p:oleObj>
               </mc:Choice>
@@ -7745,7 +7745,7 @@
           <a:graphicData uri="http://schemas.openxmlformats.org/presentationml/2006/ole">
             <mc:AlternateContent xmlns:mc="http://schemas.openxmlformats.org/markup-compatibility/2006">
               <mc:Choice xmlns:v="urn:schemas-microsoft-com:vml" Requires="v">
-                <p:oleObj spid="_x0000_s2147" name="Visio" r:id="rId4" imgW="7267717" imgH="2904938" progId="Visio.Drawing.15">
+                <p:oleObj spid="_x0000_s2150" name="Visio" r:id="rId4" imgW="7267717" imgH="2904938" progId="Visio.Drawing.15">
                   <p:embed/>
                 </p:oleObj>
               </mc:Choice>
@@ -7852,7 +7852,7 @@
           <a:graphicData uri="http://schemas.openxmlformats.org/presentationml/2006/ole">
             <mc:AlternateContent xmlns:mc="http://schemas.openxmlformats.org/markup-compatibility/2006">
               <mc:Choice xmlns:v="urn:schemas-microsoft-com:vml" Requires="v">
-                <p:oleObj spid="_x0000_s2148" name="Visio" r:id="rId6" imgW="4438529" imgH="295145" progId="Visio.Drawing.15">
+                <p:oleObj spid="_x0000_s2151" name="Visio" r:id="rId6" imgW="4438529" imgH="295145" progId="Visio.Drawing.15">
                   <p:embed/>
                 </p:oleObj>
               </mc:Choice>
@@ -7919,7 +7919,7 @@
           <a:graphicData uri="http://schemas.openxmlformats.org/presentationml/2006/ole">
             <mc:AlternateContent xmlns:mc="http://schemas.openxmlformats.org/markup-compatibility/2006">
               <mc:Choice xmlns:v="urn:schemas-microsoft-com:vml" Requires="v">
-                <p:oleObj spid="_x0000_s2149" name="Equation" r:id="rId8" imgW="3238500" imgH="228600" progId="Equation.DSMT4">
+                <p:oleObj spid="_x0000_s2152" name="Equation" r:id="rId8" imgW="3238500" imgH="228600" progId="Equation.DSMT4">
                   <p:embed/>
                 </p:oleObj>
               </mc:Choice>
@@ -17330,8 +17330,8 @@
         </p:nvSpPr>
         <p:spPr>
           <a:xfrm rot="16200000">
-            <a:off x="1660062" y="1853332"/>
-            <a:ext cx="225712" cy="1458620"/>
+            <a:off x="1637268" y="1871386"/>
+            <a:ext cx="234380" cy="1458620"/>
           </a:xfrm>
           <a:prstGeom prst="leftBrace">
             <a:avLst/>
@@ -17356,7 +17356,7 @@
           <a:lstStyle/>
           <a:p>
             <a:pPr algn="ctr"/>
-            <a:endParaRPr lang="zh-CN" altLang="en-US"/>
+            <a:endParaRPr lang="zh-CN" altLang="en-US" dirty="0"/>
           </a:p>
         </p:txBody>
       </p:sp>

--- a/中文/基于马尔科夫链的加密流识别技术.pptx
+++ b/中文/基于马尔科夫链的加密流识别技术.pptx
@@ -6020,14 +6020,6 @@
               </a:rPr>
               <a:t>基于马尔科夫链的加密流识别技术</a:t>
             </a:r>
-            <a:endParaRPr lang="zh-CN" altLang="en-US" sz="3200" kern="0" dirty="0">
-              <a:solidFill>
-                <a:srgbClr val="4D4D4D"/>
-              </a:solidFill>
-              <a:latin typeface="微软雅黑" panose="020B0503020204020204" pitchFamily="34" charset="-122"/>
-              <a:ea typeface="微软雅黑" panose="020B0503020204020204" pitchFamily="34" charset="-122"/>
-              <a:cs typeface="Arial" pitchFamily="34" charset="0"/>
-            </a:endParaRPr>
           </a:p>
         </p:txBody>
       </p:sp>
@@ -6882,12 +6874,12 @@
           <a:graphicData uri="http://schemas.openxmlformats.org/presentationml/2006/ole">
             <mc:AlternateContent xmlns:mc="http://schemas.openxmlformats.org/markup-compatibility/2006">
               <mc:Choice xmlns:v="urn:schemas-microsoft-com:vml" Requires="v">
-                <p:oleObj spid="_x0000_s1096" name="Visio" r:id="rId4" imgW="6772114" imgH="1381008" progId="Visio.Drawing.15">
+                <p:oleObj spid="_x0000_s1098" name="Visio" r:id="rId5" imgW="6772114" imgH="1381008" progId="Visio.Drawing.15">
                   <p:embed/>
                 </p:oleObj>
               </mc:Choice>
               <mc:Fallback>
-                <p:oleObj name="Visio" r:id="rId4" imgW="6772114" imgH="1381008" progId="Visio.Drawing.15">
+                <p:oleObj name="Visio" r:id="rId5" imgW="6772114" imgH="1381008" progId="Visio.Drawing.15">
                   <p:embed/>
                   <p:pic>
                     <p:nvPicPr>
@@ -6898,7 +6890,7 @@
                       <p:nvPr/>
                     </p:nvPicPr>
                     <p:blipFill>
-                      <a:blip r:embed="rId5">
+                      <a:blip r:embed="rId6">
                         <a:extLst>
                           <a:ext uri="{28A0092B-C50C-407E-A947-70E740481C1C}">
                             <a14:useLocalDpi xmlns:a14="http://schemas.microsoft.com/office/drawing/2010/main" val="0"/>
@@ -7004,12 +6996,12 @@
           <a:graphicData uri="http://schemas.openxmlformats.org/presentationml/2006/ole">
             <mc:AlternateContent xmlns:mc="http://schemas.openxmlformats.org/markup-compatibility/2006">
               <mc:Choice xmlns:v="urn:schemas-microsoft-com:vml" Requires="v">
-                <p:oleObj spid="_x0000_s1097" name="Equation" r:id="rId6" imgW="1104900" imgH="228600" progId="Equation.DSMT4">
+                <p:oleObj spid="_x0000_s1099" name="Equation" r:id="rId7" imgW="1104900" imgH="228600" progId="Equation.DSMT4">
                   <p:embed/>
                 </p:oleObj>
               </mc:Choice>
               <mc:Fallback>
-                <p:oleObj name="Equation" r:id="rId6" imgW="1104900" imgH="228600" progId="Equation.DSMT4">
+                <p:oleObj name="Equation" r:id="rId7" imgW="1104900" imgH="228600" progId="Equation.DSMT4">
                   <p:embed/>
                   <p:pic>
                     <p:nvPicPr>
@@ -7020,7 +7012,7 @@
                       <p:nvPr/>
                     </p:nvPicPr>
                     <p:blipFill>
-                      <a:blip r:embed="rId7">
+                      <a:blip r:embed="rId8">
                         <a:extLst>
                           <a:ext uri="{28A0092B-C50C-407E-A947-70E740481C1C}">
                             <a14:useLocalDpi xmlns:a14="http://schemas.microsoft.com/office/drawing/2010/main" val="0"/>
@@ -7745,12 +7737,12 @@
           <a:graphicData uri="http://schemas.openxmlformats.org/presentationml/2006/ole">
             <mc:AlternateContent xmlns:mc="http://schemas.openxmlformats.org/markup-compatibility/2006">
               <mc:Choice xmlns:v="urn:schemas-microsoft-com:vml" Requires="v">
-                <p:oleObj spid="_x0000_s2150" name="Visio" r:id="rId4" imgW="7267717" imgH="2904938" progId="Visio.Drawing.15">
+                <p:oleObj spid="_x0000_s2153" name="Visio" r:id="rId5" imgW="7267717" imgH="2904938" progId="Visio.Drawing.15">
                   <p:embed/>
                 </p:oleObj>
               </mc:Choice>
               <mc:Fallback>
-                <p:oleObj name="Visio" r:id="rId4" imgW="7267717" imgH="2904938" progId="Visio.Drawing.15">
+                <p:oleObj name="Visio" r:id="rId5" imgW="7267717" imgH="2904938" progId="Visio.Drawing.15">
                   <p:embed/>
                   <p:pic>
                     <p:nvPicPr>
@@ -7761,7 +7753,7 @@
                       <p:nvPr/>
                     </p:nvPicPr>
                     <p:blipFill>
-                      <a:blip r:embed="rId5">
+                      <a:blip r:embed="rId6">
                         <a:extLst>
                           <a:ext uri="{28A0092B-C50C-407E-A947-70E740481C1C}">
                             <a14:useLocalDpi xmlns:a14="http://schemas.microsoft.com/office/drawing/2010/main" val="0"/>
@@ -7852,12 +7844,12 @@
           <a:graphicData uri="http://schemas.openxmlformats.org/presentationml/2006/ole">
             <mc:AlternateContent xmlns:mc="http://schemas.openxmlformats.org/markup-compatibility/2006">
               <mc:Choice xmlns:v="urn:schemas-microsoft-com:vml" Requires="v">
-                <p:oleObj spid="_x0000_s2151" name="Visio" r:id="rId6" imgW="4438529" imgH="295145" progId="Visio.Drawing.15">
+                <p:oleObj spid="_x0000_s2154" name="Visio" r:id="rId8" imgW="4438529" imgH="295145" progId="Visio.Drawing.15">
                   <p:embed/>
                 </p:oleObj>
               </mc:Choice>
               <mc:Fallback>
-                <p:oleObj name="Visio" r:id="rId6" imgW="4438529" imgH="295145" progId="Visio.Drawing.15">
+                <p:oleObj name="Visio" r:id="rId8" imgW="4438529" imgH="295145" progId="Visio.Drawing.15">
                   <p:embed/>
                   <p:pic>
                     <p:nvPicPr>
@@ -7868,7 +7860,7 @@
                       <p:nvPr/>
                     </p:nvPicPr>
                     <p:blipFill>
-                      <a:blip r:embed="rId7">
+                      <a:blip r:embed="rId9">
                         <a:extLst>
                           <a:ext uri="{28A0092B-C50C-407E-A947-70E740481C1C}">
                             <a14:useLocalDpi xmlns:a14="http://schemas.microsoft.com/office/drawing/2010/main" val="0"/>
@@ -7919,12 +7911,12 @@
           <a:graphicData uri="http://schemas.openxmlformats.org/presentationml/2006/ole">
             <mc:AlternateContent xmlns:mc="http://schemas.openxmlformats.org/markup-compatibility/2006">
               <mc:Choice xmlns:v="urn:schemas-microsoft-com:vml" Requires="v">
-                <p:oleObj spid="_x0000_s2152" name="Equation" r:id="rId8" imgW="3238500" imgH="228600" progId="Equation.DSMT4">
+                <p:oleObj spid="_x0000_s2155" name="Equation" r:id="rId10" imgW="3238500" imgH="228600" progId="Equation.DSMT4">
                   <p:embed/>
                 </p:oleObj>
               </mc:Choice>
               <mc:Fallback>
-                <p:oleObj name="Equation" r:id="rId8" imgW="3238500" imgH="228600" progId="Equation.DSMT4">
+                <p:oleObj name="Equation" r:id="rId10" imgW="3238500" imgH="228600" progId="Equation.DSMT4">
                   <p:embed/>
                   <p:pic>
                     <p:nvPicPr>
@@ -7935,7 +7927,7 @@
                       <p:nvPr/>
                     </p:nvPicPr>
                     <p:blipFill>
-                      <a:blip r:embed="rId9">
+                      <a:blip r:embed="rId11">
                         <a:extLst>
                           <a:ext uri="{28A0092B-C50C-407E-A947-70E740481C1C}">
                             <a14:useLocalDpi xmlns:a14="http://schemas.microsoft.com/office/drawing/2010/main" val="0"/>
@@ -7973,7 +7965,7 @@
           <p:nvPr/>
         </p:nvPicPr>
         <p:blipFill>
-          <a:blip r:embed="rId10">
+          <a:blip r:embed="rId12">
             <a:extLst>
               <a:ext uri="{28A0092B-C50C-407E-A947-70E740481C1C}">
                 <a14:useLocalDpi xmlns:a14="http://schemas.microsoft.com/office/drawing/2010/main" val="0"/>
@@ -17236,13 +17228,13 @@
   <p:clrMapOvr>
     <a:masterClrMapping/>
   </p:clrMapOvr>
-  <mc:AlternateContent xmlns:mc="http://schemas.openxmlformats.org/markup-compatibility/2006">
-    <mc:Choice xmlns:p14="http://schemas.microsoft.com/office/powerpoint/2010/main" Requires="p14">
+  <mc:AlternateContent xmlns:mc="http://schemas.openxmlformats.org/markup-compatibility/2006" xmlns:p14="http://schemas.microsoft.com/office/powerpoint/2010/main">
+    <mc:Choice Requires="p14">
       <p:transition spd="slow" p14:dur="1600">
         <p14:prism isContent="1" isInverted="1"/>
       </p:transition>
     </mc:Choice>
-    <mc:Fallback>
+    <mc:Fallback xmlns="">
       <p:transition spd="slow">
         <p:fade/>
       </p:transition>
@@ -21931,13 +21923,13 @@
   <p:clrMapOvr>
     <a:masterClrMapping/>
   </p:clrMapOvr>
-  <mc:AlternateContent xmlns:mc="http://schemas.openxmlformats.org/markup-compatibility/2006">
-    <mc:Choice xmlns:p14="http://schemas.microsoft.com/office/powerpoint/2010/main" Requires="p14">
+  <mc:AlternateContent xmlns:mc="http://schemas.openxmlformats.org/markup-compatibility/2006" xmlns:p14="http://schemas.microsoft.com/office/powerpoint/2010/main">
+    <mc:Choice Requires="p14">
       <p:transition spd="slow" p14:dur="2000">
         <p14:ferris dir="l"/>
       </p:transition>
     </mc:Choice>
-    <mc:Fallback>
+    <mc:Fallback xmlns="">
       <p:transition spd="slow">
         <p:fade/>
       </p:transition>
